--- a/1. Intro to R/3. R-Intro_part2.pptx
+++ b/1. Intro to R/3. R-Intro_part2.pptx
@@ -15,7 +15,7 @@
     <p:sldId id="257" r:id="rId6"/>
     <p:sldId id="258" r:id="rId7"/>
     <p:sldId id="259" r:id="rId8"/>
-    <p:sldId id="267" r:id="rId9"/>
+    <p:sldId id="288" r:id="rId9"/>
     <p:sldId id="268" r:id="rId10"/>
     <p:sldId id="269" r:id="rId11"/>
     <p:sldId id="270" r:id="rId12"/>
@@ -4016,10 +4016,15 @@
             <p:ph idx="1"/>
           </p:nvPr>
         </p:nvSpPr>
-        <p:spPr/>
+        <p:spPr>
+          <a:xfrm>
+            <a:off x="628650" y="1460499"/>
+            <a:ext cx="7886700" cy="5032375"/>
+          </a:xfrm>
+        </p:spPr>
         <p:txBody>
           <a:bodyPr>
-            <a:normAutofit fontScale="92500" lnSpcReduction="20000"/>
+            <a:normAutofit fontScale="92500" lnSpcReduction="10000"/>
           </a:bodyPr>
           <a:lstStyle/>
           <a:p>
@@ -4179,6 +4184,10 @@
               <a:rPr lang="en-US" dirty="0"/>
               <a:t>’ packages</a:t>
             </a:r>
+          </a:p>
+          <a:p>
+            <a:pPr lvl="2"/>
+            <a:endParaRPr lang="en-US" dirty="0"/>
           </a:p>
           <a:p>
             <a:r>
@@ -4454,7 +4463,7 @@
           <a:p>
             <a:r>
               <a:rPr lang="en-US" dirty="0"/>
-              <a:t>Tibbles do not change the class of the input, names of variables, or create row names</a:t>
+              <a:t>Tibbles do not automatically change the class of the input, names of variables, or create row names</a:t>
             </a:r>
           </a:p>
           <a:p>
@@ -4472,7 +4481,7 @@
           <a:p>
             <a:r>
               <a:rPr lang="en-US" dirty="0"/>
-              <a:t>Tibbles don’t play well with the single square brackets []</a:t>
+              <a:t>Tibbles don’t always play well with the single square brackets []</a:t>
             </a:r>
           </a:p>
         </p:txBody>
@@ -4802,7 +4811,18 @@
             </a:r>
             <a:r>
               <a:rPr lang="en-US" dirty="0"/>
-              <a:t>()</a:t>
+              <a:t>() </a:t>
+            </a:r>
+          </a:p>
+          <a:p>
+            <a:pPr lvl="1"/>
+            <a:r>
+              <a:rPr lang="en-US" dirty="0" err="1"/>
+              <a:t>Etc</a:t>
+            </a:r>
+            <a:r>
+              <a:rPr lang="en-US" dirty="0"/>
+              <a:t>…</a:t>
             </a:r>
           </a:p>
           <a:p>
@@ -5791,37 +5811,127 @@
             <p:ph idx="1"/>
           </p:nvPr>
         </p:nvSpPr>
-        <p:spPr/>
-        <p:txBody>
-          <a:bodyPr/>
-          <a:lstStyle/>
-          <a:p>
-            <a:r>
-              <a:rPr lang="en-US" dirty="0" err="1">
-                <a:hlinkClick r:id="rId2"/>
-              </a:rPr>
-              <a:t>Tidyverse</a:t>
-            </a:r>
+        <p:spPr>
+          <a:xfrm>
+            <a:off x="457200" y="1600200"/>
+            <a:ext cx="8229600" cy="4953000"/>
+          </a:xfrm>
+        </p:spPr>
+        <p:txBody>
+          <a:bodyPr>
+            <a:normAutofit/>
+          </a:bodyPr>
+          <a:lstStyle/>
+          <a:p>
+            <a:pPr marL="0" indent="0" algn="ctr">
+              <a:buNone/>
+            </a:pPr>
+            <a:r>
+              <a:rPr lang="en-US" dirty="0"/>
+              <a:t>Style is important so YOU and OTHERS can read your code and actually use it</a:t>
+            </a:r>
+          </a:p>
+          <a:p>
+            <a:pPr marL="0" indent="0">
+              <a:buNone/>
+            </a:pPr>
+            <a:endParaRPr lang="en-US" dirty="0"/>
+          </a:p>
+          <a:p>
             <a:r>
               <a:rPr lang="en-US" dirty="0">
                 <a:hlinkClick r:id="rId2"/>
               </a:rPr>
-              <a:t> Style Guide</a:t>
+              <a:t>Tidyverse Style Guide</a:t>
             </a:r>
             <a:endParaRPr lang="en-US" dirty="0"/>
           </a:p>
           <a:p>
             <a:r>
+              <a:rPr lang="en-US" dirty="0">
+                <a:hlinkClick r:id="rId3">
+                  <a:extLst>
+                    <a:ext uri="{A12FA001-AC4F-418D-AE19-62706E023703}">
+                      <ahyp:hlinkClr xmlns:ahyp="http://schemas.microsoft.com/office/drawing/2018/hyperlinkcolor" val="tx"/>
+                    </a:ext>
+                  </a:extLst>
+                </a:hlinkClick>
+              </a:rPr>
+              <a:t>Hadley Wickham's style guide</a:t>
+            </a:r>
+            <a:endParaRPr lang="en-US" dirty="0">
+              <a:hlinkClick r:id="rId4">
+                <a:extLst>
+                  <a:ext uri="{A12FA001-AC4F-418D-AE19-62706E023703}">
+                    <ahyp:hlinkClr xmlns:ahyp="http://schemas.microsoft.com/office/drawing/2018/hyperlinkcolor" val="tx"/>
+                  </a:ext>
+                </a:extLst>
+              </a:hlinkClick>
+            </a:endParaRPr>
+          </a:p>
+          <a:p>
+            <a:r>
+              <a:rPr lang="en-US" dirty="0">
+                <a:hlinkClick r:id="rId4">
+                  <a:extLst>
+                    <a:ext uri="{A12FA001-AC4F-418D-AE19-62706E023703}">
+                      <ahyp:hlinkClr xmlns:ahyp="http://schemas.microsoft.com/office/drawing/2018/hyperlinkcolor" val="tx"/>
+                    </a:ext>
+                  </a:extLst>
+                </a:hlinkClick>
+              </a:rPr>
+              <a:t>Google style guide</a:t>
+            </a:r>
+            <a:endParaRPr lang="en-US" dirty="0"/>
+          </a:p>
+          <a:p>
+            <a:r>
+              <a:rPr lang="en-US" dirty="0">
+                <a:hlinkClick r:id="rId5">
+                  <a:extLst>
+                    <a:ext uri="{A12FA001-AC4F-418D-AE19-62706E023703}">
+                      <ahyp:hlinkClr xmlns:ahyp="http://schemas.microsoft.com/office/drawing/2018/hyperlinkcolor" val="tx"/>
+                    </a:ext>
+                  </a:extLst>
+                </a:hlinkClick>
+              </a:rPr>
+              <a:t>Condensed version of Google/Hadley guide</a:t>
+            </a:r>
+            <a:endParaRPr lang="en-US" dirty="0"/>
+          </a:p>
+          <a:p>
+            <a:r>
+              <a:rPr lang="en-US" dirty="0">
+                <a:hlinkClick r:id="rId6">
+                  <a:extLst>
+                    <a:ext uri="{A12FA001-AC4F-418D-AE19-62706E023703}">
+                      <ahyp:hlinkClr xmlns:ahyp="http://schemas.microsoft.com/office/drawing/2018/hyperlinkcolor" val="tx"/>
+                    </a:ext>
+                  </a:extLst>
+                </a:hlinkClick>
+              </a:rPr>
+              <a:t>Henrik Bengtsson style guide</a:t>
+            </a:r>
+            <a:endParaRPr lang="en-US" dirty="0"/>
+          </a:p>
+          <a:p>
+            <a:endParaRPr lang="en-US" dirty="0"/>
+          </a:p>
+          <a:p>
+            <a:r>
               <a:rPr lang="en-US" dirty="0"/>
               <a:t>R Studio- Preferences - Diagnostics</a:t>
             </a:r>
+          </a:p>
+          <a:p>
+            <a:endParaRPr lang="en-US" dirty="0"/>
           </a:p>
         </p:txBody>
       </p:sp>
     </p:spTree>
     <p:extLst>
       <p:ext uri="{BB962C8B-B14F-4D97-AF65-F5344CB8AC3E}">
-        <p14:creationId xmlns:p14="http://schemas.microsoft.com/office/powerpoint/2010/main" val="932276358"/>
+        <p14:creationId xmlns:p14="http://schemas.microsoft.com/office/powerpoint/2010/main" val="254822252"/>
       </p:ext>
     </p:extLst>
   </p:cSld>
